--- a/workshop_1/design_challenge/Workshop 1 - Chris's Solution.pptx
+++ b/workshop_1/design_challenge/Workshop 1 - Chris's Solution.pptx
@@ -12,6 +12,9 @@
     <p:sldId id="260" r:id="rId6"/>
     <p:sldId id="262" r:id="rId7"/>
     <p:sldId id="264" r:id="rId8"/>
+    <p:sldId id="265" r:id="rId9"/>
+    <p:sldId id="266" r:id="rId10"/>
+    <p:sldId id="267" r:id="rId11"/>
   </p:sldIdLst>
   <p:sldSz cx="12192000" cy="6858000"/>
   <p:notesSz cx="6858000" cy="9144000"/>
@@ -3345,11 +3348,13 @@
         </p:nvSpPr>
         <p:spPr/>
         <p:txBody>
-          <a:bodyPr/>
-          <a:lstStyle/>
-          <a:p>
-            <a:r>
-              <a:rPr lang="en-US" dirty="0"/>
+          <a:bodyPr>
+            <a:normAutofit/>
+          </a:bodyPr>
+          <a:lstStyle/>
+          <a:p>
+            <a:r>
+              <a:rPr lang="en-US" sz="8000" dirty="0"/>
               <a:t>Workshop 1</a:t>
             </a:r>
           </a:p>
@@ -3373,11 +3378,13 @@
         </p:nvSpPr>
         <p:spPr/>
         <p:txBody>
-          <a:bodyPr/>
-          <a:lstStyle/>
-          <a:p>
-            <a:r>
-              <a:rPr lang="en-US" dirty="0"/>
+          <a:bodyPr>
+            <a:normAutofit/>
+          </a:bodyPr>
+          <a:lstStyle/>
+          <a:p>
+            <a:r>
+              <a:rPr lang="en-US" sz="3600" dirty="0"/>
               <a:t>Chris’s Solution</a:t>
             </a:r>
           </a:p>
@@ -3387,6 +3394,140 @@
     <p:extLst>
       <p:ext uri="{BB962C8B-B14F-4D97-AF65-F5344CB8AC3E}">
         <p14:creationId xmlns:p14="http://schemas.microsoft.com/office/powerpoint/2010/main" val="38295020"/>
+      </p:ext>
+    </p:extLst>
+  </p:cSld>
+  <p:clrMapOvr>
+    <a:masterClrMapping/>
+  </p:clrMapOvr>
+</p:sld>
+</file>
+
+<file path=ppt/slides/slide10.xml><?xml version="1.0" encoding="utf-8"?>
+<p:sld xmlns:a="http://schemas.openxmlformats.org/drawingml/2006/main" xmlns:r="http://schemas.openxmlformats.org/officeDocument/2006/relationships" xmlns:p="http://schemas.openxmlformats.org/presentationml/2006/main">
+  <p:cSld>
+    <p:spTree>
+      <p:nvGrpSpPr>
+        <p:cNvPr id="1" name=""/>
+        <p:cNvGrpSpPr/>
+        <p:nvPr/>
+      </p:nvGrpSpPr>
+      <p:grpSpPr>
+        <a:xfrm>
+          <a:off x="0" y="0"/>
+          <a:ext cx="0" cy="0"/>
+          <a:chOff x="0" y="0"/>
+          <a:chExt cx="0" cy="0"/>
+        </a:xfrm>
+      </p:grpSpPr>
+      <p:sp>
+        <p:nvSpPr>
+          <p:cNvPr id="2" name="Title 1">
+            <a:extLst>
+              <a:ext uri="{FF2B5EF4-FFF2-40B4-BE49-F238E27FC236}">
+                <a16:creationId xmlns:a16="http://schemas.microsoft.com/office/drawing/2014/main" id="{EBE7EB25-3CE3-4AC8-8156-7181994162DC}"/>
+              </a:ext>
+            </a:extLst>
+          </p:cNvPr>
+          <p:cNvSpPr>
+            <a:spLocks noGrp="1"/>
+          </p:cNvSpPr>
+          <p:nvPr>
+            <p:ph type="title"/>
+          </p:nvPr>
+        </p:nvSpPr>
+        <p:spPr/>
+        <p:txBody>
+          <a:bodyPr/>
+          <a:lstStyle/>
+          <a:p>
+            <a:r>
+              <a:rPr lang="en-US" dirty="0"/>
+              <a:t>Closing thoughts</a:t>
+            </a:r>
+          </a:p>
+        </p:txBody>
+      </p:sp>
+      <p:sp>
+        <p:nvSpPr>
+          <p:cNvPr id="5" name="Content Placeholder 4">
+            <a:extLst>
+              <a:ext uri="{FF2B5EF4-FFF2-40B4-BE49-F238E27FC236}">
+                <a16:creationId xmlns:a16="http://schemas.microsoft.com/office/drawing/2014/main" id="{958C1368-64D0-482C-8FB1-23DF58C8061F}"/>
+              </a:ext>
+            </a:extLst>
+          </p:cNvPr>
+          <p:cNvSpPr>
+            <a:spLocks noGrp="1"/>
+          </p:cNvSpPr>
+          <p:nvPr>
+            <p:ph idx="1"/>
+          </p:nvPr>
+        </p:nvSpPr>
+        <p:spPr/>
+        <p:txBody>
+          <a:bodyPr>
+            <a:normAutofit fontScale="92500" lnSpcReduction="10000"/>
+          </a:bodyPr>
+          <a:lstStyle/>
+          <a:p>
+            <a:endParaRPr lang="en-US" dirty="0"/>
+          </a:p>
+          <a:p>
+            <a:r>
+              <a:rPr lang="en-US" dirty="0"/>
+              <a:t>Why couldn’t we have used the regex ‘&lt;\/span&gt; (.*?)&lt;sup&gt;’</a:t>
+            </a:r>
+          </a:p>
+          <a:p>
+            <a:endParaRPr lang="en-US" dirty="0"/>
+          </a:p>
+          <a:p>
+            <a:r>
+              <a:rPr lang="en-US" dirty="0"/>
+              <a:t>Why couldn’t we have used the regex ‘(.*?)&lt;sup&gt;</a:t>
+            </a:r>
+            <a:r>
+              <a:rPr lang="en-US" dirty="0" err="1"/>
+              <a:t>i</a:t>
+            </a:r>
+            <a:r>
+              <a:rPr lang="en-US" dirty="0"/>
+              <a:t>&lt;/sup&gt;(.*?)&lt;\/tr&gt;’</a:t>
+            </a:r>
+          </a:p>
+          <a:p>
+            <a:endParaRPr lang="en-US" dirty="0"/>
+          </a:p>
+          <a:p>
+            <a:r>
+              <a:rPr lang="en-US" dirty="0"/>
+              <a:t>A much simpler solution to parse the information on a well-structured web page is to use a tag parsing module (e.g. </a:t>
+            </a:r>
+            <a:r>
+              <a:rPr lang="en-US" dirty="0" err="1"/>
+              <a:t>xmltodict</a:t>
+            </a:r>
+            <a:r>
+              <a:rPr lang="en-US" dirty="0"/>
+              <a:t>)…</a:t>
+            </a:r>
+          </a:p>
+          <a:p>
+            <a:endParaRPr lang="en-US" dirty="0"/>
+          </a:p>
+          <a:p>
+            <a:r>
+              <a:rPr lang="en-US" dirty="0"/>
+              <a:t>…however, MANY webpages are of inferior quality and not good enough to use such modules</a:t>
+            </a:r>
+          </a:p>
+        </p:txBody>
+      </p:sp>
+    </p:spTree>
+    <p:extLst>
+      <p:ext uri="{BB962C8B-B14F-4D97-AF65-F5344CB8AC3E}">
+        <p14:creationId xmlns:p14="http://schemas.microsoft.com/office/powerpoint/2010/main" val="97527612"/>
       </p:ext>
     </p:extLst>
   </p:cSld>
@@ -4516,6 +4657,320 @@
     <p:extLst>
       <p:ext uri="{BB962C8B-B14F-4D97-AF65-F5344CB8AC3E}">
         <p14:creationId xmlns:p14="http://schemas.microsoft.com/office/powerpoint/2010/main" val="317345574"/>
+      </p:ext>
+    </p:extLst>
+  </p:cSld>
+  <p:clrMapOvr>
+    <a:masterClrMapping/>
+  </p:clrMapOvr>
+</p:sld>
+</file>
+
+<file path=ppt/slides/slide8.xml><?xml version="1.0" encoding="utf-8"?>
+<p:sld xmlns:a="http://schemas.openxmlformats.org/drawingml/2006/main" xmlns:r="http://schemas.openxmlformats.org/officeDocument/2006/relationships" xmlns:p="http://schemas.openxmlformats.org/presentationml/2006/main">
+  <p:cSld>
+    <p:spTree>
+      <p:nvGrpSpPr>
+        <p:cNvPr id="1" name=""/>
+        <p:cNvGrpSpPr/>
+        <p:nvPr/>
+      </p:nvGrpSpPr>
+      <p:grpSpPr>
+        <a:xfrm>
+          <a:off x="0" y="0"/>
+          <a:ext cx="0" cy="0"/>
+          <a:chOff x="0" y="0"/>
+          <a:chExt cx="0" cy="0"/>
+        </a:xfrm>
+      </p:grpSpPr>
+      <p:sp>
+        <p:nvSpPr>
+          <p:cNvPr id="2" name="Title 1">
+            <a:extLst>
+              <a:ext uri="{FF2B5EF4-FFF2-40B4-BE49-F238E27FC236}">
+                <a16:creationId xmlns:a16="http://schemas.microsoft.com/office/drawing/2014/main" id="{FD76DFA7-7988-44A4-A1A5-F4F735154489}"/>
+              </a:ext>
+            </a:extLst>
+          </p:cNvPr>
+          <p:cNvSpPr>
+            <a:spLocks noGrp="1"/>
+          </p:cNvSpPr>
+          <p:nvPr>
+            <p:ph type="title"/>
+          </p:nvPr>
+        </p:nvSpPr>
+        <p:spPr/>
+        <p:txBody>
+          <a:bodyPr/>
+          <a:lstStyle/>
+          <a:p>
+            <a:r>
+              <a:rPr lang="en-US" dirty="0"/>
+              <a:t>Final steps (second regexes)</a:t>
+            </a:r>
+          </a:p>
+        </p:txBody>
+      </p:sp>
+      <p:sp>
+        <p:nvSpPr>
+          <p:cNvPr id="7" name="TextBox 6">
+            <a:extLst>
+              <a:ext uri="{FF2B5EF4-FFF2-40B4-BE49-F238E27FC236}">
+                <a16:creationId xmlns:a16="http://schemas.microsoft.com/office/drawing/2014/main" id="{B5AA1447-91C5-42E5-9169-45FA5EEE8711}"/>
+              </a:ext>
+            </a:extLst>
+          </p:cNvPr>
+          <p:cNvSpPr txBox="1"/>
+          <p:nvPr/>
+        </p:nvSpPr>
+        <p:spPr>
+          <a:xfrm>
+            <a:off x="814386" y="5456237"/>
+            <a:ext cx="5229225" cy="369332"/>
+          </a:xfrm>
+          <a:prstGeom prst="rect">
+            <a:avLst/>
+          </a:prstGeom>
+          <a:noFill/>
+        </p:spPr>
+        <p:txBody>
+          <a:bodyPr wrap="square" rtlCol="0">
+            <a:spAutoFit/>
+          </a:bodyPr>
+          <a:lstStyle/>
+          <a:p>
+            <a:pPr algn="ctr"/>
+            <a:r>
+              <a:rPr lang="en-US" dirty="0"/>
+              <a:t>Look for the &lt;sup&gt;…&lt;/sup&gt; matches…</a:t>
+            </a:r>
+          </a:p>
+        </p:txBody>
+      </p:sp>
+      <p:pic>
+        <p:nvPicPr>
+          <p:cNvPr id="9" name="Picture 8">
+            <a:extLst>
+              <a:ext uri="{FF2B5EF4-FFF2-40B4-BE49-F238E27FC236}">
+                <a16:creationId xmlns:a16="http://schemas.microsoft.com/office/drawing/2014/main" id="{067F8BAF-6B2D-4C0B-BEAC-874AB1CFA79B}"/>
+              </a:ext>
+            </a:extLst>
+          </p:cNvPr>
+          <p:cNvPicPr>
+            <a:picLocks noChangeAspect="1"/>
+          </p:cNvPicPr>
+          <p:nvPr/>
+        </p:nvPicPr>
+        <p:blipFill>
+          <a:blip r:embed="rId2"/>
+          <a:stretch>
+            <a:fillRect/>
+          </a:stretch>
+        </p:blipFill>
+        <p:spPr>
+          <a:xfrm>
+            <a:off x="814387" y="1825625"/>
+            <a:ext cx="5229225" cy="3495675"/>
+          </a:xfrm>
+          <a:prstGeom prst="rect">
+            <a:avLst/>
+          </a:prstGeom>
+        </p:spPr>
+      </p:pic>
+      <p:pic>
+        <p:nvPicPr>
+          <p:cNvPr id="13" name="Picture 12">
+            <a:extLst>
+              <a:ext uri="{FF2B5EF4-FFF2-40B4-BE49-F238E27FC236}">
+                <a16:creationId xmlns:a16="http://schemas.microsoft.com/office/drawing/2014/main" id="{48EBC707-CBA7-46B7-BEFD-F5FC74289A69}"/>
+              </a:ext>
+            </a:extLst>
+          </p:cNvPr>
+          <p:cNvPicPr>
+            <a:picLocks noChangeAspect="1"/>
+          </p:cNvPicPr>
+          <p:nvPr/>
+        </p:nvPicPr>
+        <p:blipFill>
+          <a:blip r:embed="rId3"/>
+          <a:stretch>
+            <a:fillRect/>
+          </a:stretch>
+        </p:blipFill>
+        <p:spPr>
+          <a:xfrm>
+            <a:off x="6862763" y="1825625"/>
+            <a:ext cx="4514850" cy="2838450"/>
+          </a:xfrm>
+          <a:prstGeom prst="rect">
+            <a:avLst/>
+          </a:prstGeom>
+        </p:spPr>
+      </p:pic>
+      <p:sp>
+        <p:nvSpPr>
+          <p:cNvPr id="14" name="TextBox 13">
+            <a:extLst>
+              <a:ext uri="{FF2B5EF4-FFF2-40B4-BE49-F238E27FC236}">
+                <a16:creationId xmlns:a16="http://schemas.microsoft.com/office/drawing/2014/main" id="{3CE6E84C-CA59-40F6-A4C5-B351989569CA}"/>
+              </a:ext>
+            </a:extLst>
+          </p:cNvPr>
+          <p:cNvSpPr txBox="1"/>
+          <p:nvPr/>
+        </p:nvSpPr>
+        <p:spPr>
+          <a:xfrm>
+            <a:off x="6505575" y="4799012"/>
+            <a:ext cx="5229225" cy="369332"/>
+          </a:xfrm>
+          <a:prstGeom prst="rect">
+            <a:avLst/>
+          </a:prstGeom>
+          <a:noFill/>
+        </p:spPr>
+        <p:txBody>
+          <a:bodyPr wrap="square" rtlCol="0">
+            <a:spAutoFit/>
+          </a:bodyPr>
+          <a:lstStyle/>
+          <a:p>
+            <a:pPr algn="ctr"/>
+            <a:r>
+              <a:rPr lang="en-US" dirty="0"/>
+              <a:t>…then get the &lt;a&gt;…&lt;/a&gt; links…</a:t>
+            </a:r>
+          </a:p>
+        </p:txBody>
+      </p:sp>
+    </p:spTree>
+    <p:extLst>
+      <p:ext uri="{BB962C8B-B14F-4D97-AF65-F5344CB8AC3E}">
+        <p14:creationId xmlns:p14="http://schemas.microsoft.com/office/powerpoint/2010/main" val="2839984716"/>
+      </p:ext>
+    </p:extLst>
+  </p:cSld>
+  <p:clrMapOvr>
+    <a:masterClrMapping/>
+  </p:clrMapOvr>
+</p:sld>
+</file>
+
+<file path=ppt/slides/slide9.xml><?xml version="1.0" encoding="utf-8"?>
+<p:sld xmlns:a="http://schemas.openxmlformats.org/drawingml/2006/main" xmlns:r="http://schemas.openxmlformats.org/officeDocument/2006/relationships" xmlns:p="http://schemas.openxmlformats.org/presentationml/2006/main">
+  <p:cSld>
+    <p:spTree>
+      <p:nvGrpSpPr>
+        <p:cNvPr id="1" name=""/>
+        <p:cNvGrpSpPr/>
+        <p:nvPr/>
+      </p:nvGrpSpPr>
+      <p:grpSpPr>
+        <a:xfrm>
+          <a:off x="0" y="0"/>
+          <a:ext cx="0" cy="0"/>
+          <a:chOff x="0" y="0"/>
+          <a:chExt cx="0" cy="0"/>
+        </a:xfrm>
+      </p:grpSpPr>
+      <p:sp>
+        <p:nvSpPr>
+          <p:cNvPr id="2" name="Title 1">
+            <a:extLst>
+              <a:ext uri="{FF2B5EF4-FFF2-40B4-BE49-F238E27FC236}">
+                <a16:creationId xmlns:a16="http://schemas.microsoft.com/office/drawing/2014/main" id="{FD76DFA7-7988-44A4-A1A5-F4F735154489}"/>
+              </a:ext>
+            </a:extLst>
+          </p:cNvPr>
+          <p:cNvSpPr>
+            <a:spLocks noGrp="1"/>
+          </p:cNvSpPr>
+          <p:nvPr>
+            <p:ph type="title"/>
+          </p:nvPr>
+        </p:nvSpPr>
+        <p:spPr/>
+        <p:txBody>
+          <a:bodyPr/>
+          <a:lstStyle/>
+          <a:p>
+            <a:r>
+              <a:rPr lang="en-US" dirty="0"/>
+              <a:t>Exploratory regexes</a:t>
+            </a:r>
+          </a:p>
+        </p:txBody>
+      </p:sp>
+      <p:sp>
+        <p:nvSpPr>
+          <p:cNvPr id="7" name="TextBox 6">
+            <a:extLst>
+              <a:ext uri="{FF2B5EF4-FFF2-40B4-BE49-F238E27FC236}">
+                <a16:creationId xmlns:a16="http://schemas.microsoft.com/office/drawing/2014/main" id="{B5AA1447-91C5-42E5-9169-45FA5EEE8711}"/>
+              </a:ext>
+            </a:extLst>
+          </p:cNvPr>
+          <p:cNvSpPr txBox="1"/>
+          <p:nvPr/>
+        </p:nvSpPr>
+        <p:spPr>
+          <a:xfrm>
+            <a:off x="2614246" y="6308209"/>
+            <a:ext cx="6963508" cy="369332"/>
+          </a:xfrm>
+          <a:prstGeom prst="rect">
+            <a:avLst/>
+          </a:prstGeom>
+          <a:noFill/>
+        </p:spPr>
+        <p:txBody>
+          <a:bodyPr wrap="square" rtlCol="0">
+            <a:spAutoFit/>
+          </a:bodyPr>
+          <a:lstStyle/>
+          <a:p>
+            <a:pPr algn="ctr"/>
+            <a:r>
+              <a:rPr lang="en-US" dirty="0"/>
+              <a:t>Some final results…a few false positives, but not bad for a first script…</a:t>
+            </a:r>
+          </a:p>
+        </p:txBody>
+      </p:sp>
+      <p:pic>
+        <p:nvPicPr>
+          <p:cNvPr id="11" name="Picture 10">
+            <a:extLst>
+              <a:ext uri="{FF2B5EF4-FFF2-40B4-BE49-F238E27FC236}">
+                <a16:creationId xmlns:a16="http://schemas.microsoft.com/office/drawing/2014/main" id="{944B2C3F-22C6-43E7-9B8A-CF41A6D033A2}"/>
+              </a:ext>
+            </a:extLst>
+          </p:cNvPr>
+          <p:cNvPicPr>
+            <a:picLocks noChangeAspect="1"/>
+          </p:cNvPicPr>
+          <p:nvPr/>
+        </p:nvPicPr>
+        <p:blipFill>
+          <a:blip r:embed="rId2"/>
+          <a:stretch>
+            <a:fillRect/>
+          </a:stretch>
+        </p:blipFill>
+        <p:spPr>
+          <a:xfrm>
+            <a:off x="4371623" y="1828800"/>
+            <a:ext cx="3448755" cy="4351338"/>
+          </a:xfrm>
+          <a:prstGeom prst="rect">
+            <a:avLst/>
+          </a:prstGeom>
+        </p:spPr>
+      </p:pic>
+    </p:spTree>
+    <p:extLst>
+      <p:ext uri="{BB962C8B-B14F-4D97-AF65-F5344CB8AC3E}">
+        <p14:creationId xmlns:p14="http://schemas.microsoft.com/office/powerpoint/2010/main" val="3125459977"/>
       </p:ext>
     </p:extLst>
   </p:cSld>
